--- a/恒拓PPT模板.pptx
+++ b/恒拓PPT模板.pptx
@@ -340,7 +340,7 @@
             <a:fld id="{530820CF-B880-4189-942D-D702A7CBA730}" type="datetimeFigureOut">
               <a:rPr lang="zh-CN" altLang="en-US" smtClean="0"/>
               <a:pPr/>
-              <a:t>2017/5/7</a:t>
+              <a:t>2017/5/8</a:t>
             </a:fld>
             <a:endParaRPr lang="zh-CN" altLang="en-US"/>
           </a:p>
@@ -523,7 +523,7 @@
             <a:fld id="{530820CF-B880-4189-942D-D702A7CBA730}" type="datetimeFigureOut">
               <a:rPr lang="zh-CN" altLang="en-US" smtClean="0"/>
               <a:pPr/>
-              <a:t>2017/5/7</a:t>
+              <a:t>2017/5/8</a:t>
             </a:fld>
             <a:endParaRPr lang="zh-CN" altLang="en-US"/>
           </a:p>
@@ -706,7 +706,7 @@
             <a:fld id="{530820CF-B880-4189-942D-D702A7CBA730}" type="datetimeFigureOut">
               <a:rPr lang="zh-CN" altLang="en-US" smtClean="0"/>
               <a:pPr/>
-              <a:t>2017/5/7</a:t>
+              <a:t>2017/5/8</a:t>
             </a:fld>
             <a:endParaRPr lang="zh-CN" altLang="en-US"/>
           </a:p>
@@ -889,7 +889,7 @@
             <a:fld id="{530820CF-B880-4189-942D-D702A7CBA730}" type="datetimeFigureOut">
               <a:rPr lang="zh-CN" altLang="en-US" smtClean="0"/>
               <a:pPr/>
-              <a:t>2017/5/7</a:t>
+              <a:t>2017/5/8</a:t>
             </a:fld>
             <a:endParaRPr lang="zh-CN" altLang="en-US"/>
           </a:p>
@@ -1138,7 +1138,7 @@
             <a:fld id="{530820CF-B880-4189-942D-D702A7CBA730}" type="datetimeFigureOut">
               <a:rPr lang="zh-CN" altLang="en-US" smtClean="0"/>
               <a:pPr/>
-              <a:t>2017/5/7</a:t>
+              <a:t>2017/5/8</a:t>
             </a:fld>
             <a:endParaRPr lang="zh-CN" altLang="en-US"/>
           </a:p>
@@ -1437,7 +1437,7 @@
             <a:fld id="{530820CF-B880-4189-942D-D702A7CBA730}" type="datetimeFigureOut">
               <a:rPr lang="zh-CN" altLang="en-US" smtClean="0"/>
               <a:pPr/>
-              <a:t>2017/5/7</a:t>
+              <a:t>2017/5/8</a:t>
             </a:fld>
             <a:endParaRPr lang="zh-CN" altLang="en-US"/>
           </a:p>
@@ -1876,7 +1876,7 @@
             <a:fld id="{530820CF-B880-4189-942D-D702A7CBA730}" type="datetimeFigureOut">
               <a:rPr lang="zh-CN" altLang="en-US" smtClean="0"/>
               <a:pPr/>
-              <a:t>2017/5/7</a:t>
+              <a:t>2017/5/8</a:t>
             </a:fld>
             <a:endParaRPr lang="zh-CN" altLang="en-US"/>
           </a:p>
@@ -1999,7 +1999,7 @@
             <a:fld id="{530820CF-B880-4189-942D-D702A7CBA730}" type="datetimeFigureOut">
               <a:rPr lang="zh-CN" altLang="en-US" smtClean="0"/>
               <a:pPr/>
-              <a:t>2017/5/7</a:t>
+              <a:t>2017/5/8</a:t>
             </a:fld>
             <a:endParaRPr lang="zh-CN" altLang="en-US"/>
           </a:p>
@@ -2091,7 +2091,7 @@
             <a:fld id="{530820CF-B880-4189-942D-D702A7CBA730}" type="datetimeFigureOut">
               <a:rPr lang="zh-CN" altLang="en-US" smtClean="0"/>
               <a:pPr/>
-              <a:t>2017/5/7</a:t>
+              <a:t>2017/5/8</a:t>
             </a:fld>
             <a:endParaRPr lang="zh-CN" altLang="en-US"/>
           </a:p>
@@ -2374,7 +2374,7 @@
             <a:fld id="{530820CF-B880-4189-942D-D702A7CBA730}" type="datetimeFigureOut">
               <a:rPr lang="zh-CN" altLang="en-US" smtClean="0"/>
               <a:pPr/>
-              <a:t>2017/5/7</a:t>
+              <a:t>2017/5/8</a:t>
             </a:fld>
             <a:endParaRPr lang="zh-CN" altLang="en-US"/>
           </a:p>
@@ -2637,7 +2637,7 @@
             <a:fld id="{530820CF-B880-4189-942D-D702A7CBA730}" type="datetimeFigureOut">
               <a:rPr lang="zh-CN" altLang="en-US" smtClean="0"/>
               <a:pPr/>
-              <a:t>2017/5/7</a:t>
+              <a:t>2017/5/8</a:t>
             </a:fld>
             <a:endParaRPr lang="zh-CN" altLang="en-US"/>
           </a:p>
@@ -2778,7 +2778,7 @@
             <a:fld id="{530820CF-B880-4189-942D-D702A7CBA730}" type="datetimeFigureOut">
               <a:rPr lang="zh-CN" altLang="en-US" smtClean="0"/>
               <a:pPr/>
-              <a:t>2017/5/7</a:t>
+              <a:t>2017/5/8</a:t>
             </a:fld>
             <a:endParaRPr lang="zh-CN" altLang="en-US"/>
           </a:p>
@@ -5291,39 +5291,7 @@
             </a:pPr>
             <a:r>
               <a:rPr lang="zh-CN" altLang="en-US" dirty="0" smtClean="0"/>
-              <a:t>应用</a:t>
-            </a:r>
-            <a:r>
-              <a:rPr lang="zh-CN" altLang="en-US" dirty="0" smtClean="0"/>
-              <a:t>：对</a:t>
-            </a:r>
-            <a:r>
-              <a:rPr lang="zh-CN" altLang="en-US" dirty="0" smtClean="0"/>
-              <a:t>于集合内部结果常常变化各异</a:t>
-            </a:r>
-            <a:r>
-              <a:rPr lang="zh-CN" altLang="en-US" dirty="0" smtClean="0"/>
-              <a:t>，我</a:t>
-            </a:r>
-            <a:r>
-              <a:rPr lang="zh-CN" altLang="en-US" dirty="0" smtClean="0"/>
-              <a:t>们不想暴露其内部结构的话，但又响</a:t>
-            </a:r>
-            <a:r>
-              <a:rPr lang="zh-CN" altLang="en-US" dirty="0" smtClean="0"/>
-              <a:t>让客户</a:t>
-            </a:r>
-            <a:r>
-              <a:rPr lang="zh-CN" altLang="en-US" dirty="0" smtClean="0"/>
-              <a:t>代码透明底访问其中的元素</a:t>
-            </a:r>
-            <a:r>
-              <a:rPr lang="zh-CN" altLang="en-US" dirty="0" smtClean="0"/>
-              <a:t>，这</a:t>
-            </a:r>
-            <a:r>
-              <a:rPr lang="zh-CN" altLang="en-US" dirty="0" smtClean="0"/>
-              <a:t>种情况下我们可以使用迭代器模式。</a:t>
+              <a:t>应用：对于集合内部结果常常变化各异，我们不想暴露其内部结构的话，但又响让客户代码透明底访问其中的元素，这种情况下我们可以使用迭代器模式。</a:t>
             </a:r>
             <a:endParaRPr lang="zh-CN" altLang="en-US" dirty="0"/>
           </a:p>
@@ -5381,11 +5349,7 @@
             </a:pPr>
             <a:r>
               <a:rPr lang="zh-CN" altLang="en-US" dirty="0" smtClean="0"/>
-              <a:t>代</a:t>
-            </a:r>
-            <a:r>
-              <a:rPr lang="zh-CN" altLang="en-US" dirty="0" smtClean="0"/>
-              <a:t>码：</a:t>
+              <a:t>代码：</a:t>
             </a:r>
             <a:endParaRPr lang="zh-CN" altLang="en-US" dirty="0"/>
           </a:p>
@@ -5521,6 +5485,15 @@
               <a:rPr lang="en-US" altLang="zh-CN" dirty="0" smtClean="0"/>
               <a:t>)</a:t>
             </a:r>
+          </a:p>
+          <a:p>
+            <a:pPr>
+              <a:buNone/>
+            </a:pPr>
+            <a:r>
+              <a:rPr lang="zh-CN" altLang="en-US" dirty="0" smtClean="0"/>
+              <a:t>定义：定义了对象间的一种一对多的依赖关系，当一个对象的状态发生改变时，所有依赖于它的对象都将得到通知。</a:t>
+            </a:r>
             <a:endParaRPr lang="en-US" altLang="zh-CN" dirty="0" smtClean="0"/>
           </a:p>
           <a:p>
@@ -5529,45 +5502,7 @@
             </a:pPr>
             <a:r>
               <a:rPr lang="zh-CN" altLang="en-US" dirty="0" smtClean="0"/>
-              <a:t>定</a:t>
-            </a:r>
-            <a:r>
-              <a:rPr lang="zh-CN" altLang="en-US" dirty="0" smtClean="0"/>
-              <a:t>义：定义了对象间的一种一对多的依赖关系，当一个对象的状态发生改变时，所有依赖于它的对象都将得到通知。</a:t>
-            </a:r>
-            <a:endParaRPr lang="en-US" altLang="zh-CN" dirty="0" smtClean="0"/>
-          </a:p>
-          <a:p>
-            <a:pPr>
-              <a:buNone/>
-            </a:pPr>
-            <a:r>
-              <a:rPr lang="zh-CN" altLang="en-US" dirty="0" smtClean="0"/>
-              <a:t>应</a:t>
-            </a:r>
-            <a:r>
-              <a:rPr lang="zh-CN" altLang="en-US" dirty="0" smtClean="0"/>
-              <a:t>用：</a:t>
-            </a:r>
-            <a:r>
-              <a:rPr lang="zh-CN" altLang="en-US" dirty="0" smtClean="0"/>
-              <a:t>假</a:t>
-            </a:r>
-            <a:r>
-              <a:rPr lang="zh-CN" altLang="en-US" dirty="0" smtClean="0"/>
-              <a:t>如需要解决</a:t>
-            </a:r>
-            <a:r>
-              <a:rPr lang="zh-CN" altLang="en-US" dirty="0" smtClean="0"/>
-              <a:t>团</a:t>
-            </a:r>
-            <a:r>
-              <a:rPr lang="zh-CN" altLang="en-US" dirty="0" smtClean="0"/>
-              <a:t>队协作中多人模块间的通信问</a:t>
-            </a:r>
-            <a:r>
-              <a:rPr lang="zh-CN" altLang="en-US" dirty="0" smtClean="0"/>
-              <a:t>题或者需要解耦的时候，就可以使用此模式。在</a:t>
+              <a:t>应用：假如需要解决团队协作中多人模块间的通信问题或者需要解耦的时候，就可以使用此模式。在</a:t>
             </a:r>
             <a:r>
               <a:rPr lang="en-US" altLang="zh-CN" dirty="0" smtClean="0"/>
@@ -5585,7 +5520,6 @@
               <a:rPr lang="zh-CN" altLang="en-US" dirty="0" smtClean="0"/>
               <a:t>架构上常会出现这种模式。</a:t>
             </a:r>
-            <a:endParaRPr lang="zh-CN" altLang="en-US" dirty="0" smtClean="0"/>
           </a:p>
           <a:p>
             <a:pPr>
@@ -5790,11 +5724,7 @@
             </a:pPr>
             <a:r>
               <a:rPr lang="zh-CN" altLang="en-US" dirty="0" smtClean="0"/>
-              <a:t>定</a:t>
-            </a:r>
-            <a:r>
-              <a:rPr lang="zh-CN" altLang="en-US" dirty="0" smtClean="0"/>
-              <a:t>义：最简单和优雅的模式。指的是一个执行某些特定事情的指令。</a:t>
+              <a:t>定义：最简单和优雅的模式。指的是一个执行某些特定事情的指令。</a:t>
             </a:r>
             <a:endParaRPr lang="en-US" altLang="zh-CN" dirty="0" smtClean="0"/>
           </a:p>
@@ -5804,19 +5734,7 @@
             </a:pPr>
             <a:r>
               <a:rPr lang="zh-CN" altLang="en-US" dirty="0" smtClean="0"/>
-              <a:t>应用：</a:t>
-            </a:r>
-            <a:r>
-              <a:rPr lang="zh-CN" altLang="en-US" dirty="0" smtClean="0"/>
-              <a:t>在创建用户界面方面非常有</a:t>
-            </a:r>
-            <a:r>
-              <a:rPr lang="zh-CN" altLang="en-US" dirty="0" smtClean="0"/>
-              <a:t>用，</a:t>
-            </a:r>
-            <a:r>
-              <a:rPr lang="zh-CN" altLang="en-US" dirty="0" smtClean="0"/>
-              <a:t>可以实现界面元素和实际操作类的分离。</a:t>
+              <a:t>应用：在创建用户界面方面非常有用，可以实现界面元素和实际操作类的分离。</a:t>
             </a:r>
             <a:endParaRPr lang="zh-CN" altLang="en-US" dirty="0"/>
           </a:p>
@@ -6141,11 +6059,7 @@
             </a:pPr>
             <a:r>
               <a:rPr lang="zh-CN" altLang="en-US" dirty="0" smtClean="0"/>
-              <a:t>定</a:t>
-            </a:r>
-            <a:r>
-              <a:rPr lang="zh-CN" altLang="en-US" dirty="0" smtClean="0"/>
-              <a:t>义：组合模式就是用小的对象来构建更大的对象，而这些小的子对象本身也许是由更小的‘孙对象’构成的。</a:t>
+              <a:t>定义：组合模式就是用小的对象来构建更大的对象，而这些小的子对象本身也许是由更小的‘孙对象’构成的。</a:t>
             </a:r>
             <a:endParaRPr lang="en-US" altLang="zh-CN" dirty="0" smtClean="0"/>
           </a:p>
@@ -6155,11 +6069,7 @@
             </a:pPr>
             <a:r>
               <a:rPr lang="zh-CN" altLang="en-US" dirty="0" smtClean="0"/>
-              <a:t>应</a:t>
-            </a:r>
-            <a:r>
-              <a:rPr lang="zh-CN" altLang="en-US" dirty="0" smtClean="0"/>
-              <a:t>用：</a:t>
+              <a:t>应用：</a:t>
             </a:r>
             <a:r>
               <a:rPr lang="en-US" dirty="0" smtClean="0"/>
@@ -6167,15 +6077,7 @@
             </a:r>
             <a:r>
               <a:rPr lang="zh-CN" altLang="en-US" dirty="0" smtClean="0"/>
-              <a:t>的机</a:t>
-            </a:r>
-            <a:r>
-              <a:rPr lang="zh-CN" altLang="en-US" dirty="0" smtClean="0"/>
-              <a:t>制，联动菜单，菜单导航。</a:t>
-            </a:r>
-            <a:r>
-              <a:rPr lang="zh-CN" altLang="en-US" dirty="0" smtClean="0"/>
-              <a:t>所以说组合模式的关键是要有一个抽象类，它既可以表示子元素，又可以表示父元素。</a:t>
+              <a:t>的机制，联动菜单，菜单导航。所以说组合模式的关键是要有一个抽象类，它既可以表示子元素，又可以表示父元素。</a:t>
             </a:r>
             <a:endParaRPr lang="en-US" altLang="zh-CN" dirty="0" smtClean="0"/>
           </a:p>
@@ -6378,15 +6280,7 @@
             </a:pPr>
             <a:r>
               <a:rPr lang="zh-CN" altLang="en-US" dirty="0" smtClean="0"/>
-              <a:t>定</a:t>
-            </a:r>
-            <a:r>
-              <a:rPr lang="zh-CN" altLang="en-US" dirty="0" smtClean="0"/>
-              <a:t>义：</a:t>
-            </a:r>
-            <a:r>
-              <a:rPr lang="zh-CN" altLang="en-US" dirty="0" smtClean="0"/>
-              <a:t>定义了一个操作中的算法的骨架，而将一些步骤延迟到子类中。模板方法使得子类可以不改变一个算法的结构即可重定义该算法的某些特定步骤。</a:t>
+              <a:t>定义：定义了一个操作中的算法的骨架，而将一些步骤延迟到子类中。模板方法使得子类可以不改变一个算法的结构即可重定义该算法的某些特定步骤。</a:t>
             </a:r>
             <a:endParaRPr lang="en-US" altLang="zh-CN" dirty="0" smtClean="0"/>
           </a:p>
@@ -6396,11 +6290,7 @@
             </a:pPr>
             <a:r>
               <a:rPr lang="zh-CN" altLang="en-US" dirty="0" smtClean="0"/>
-              <a:t>应</a:t>
-            </a:r>
-            <a:r>
-              <a:rPr lang="zh-CN" altLang="en-US" dirty="0" smtClean="0"/>
-              <a:t>用：常被架构师用于搭建项目的框架，架构师定好了框架的骨架，程序员继承框架的结构之后，负责往里面填空。</a:t>
+              <a:t>应用：常被架构师用于搭建项目的框架，架构师定好了框架的骨架，程序员继承框架的结构之后，负责往里面填空。</a:t>
             </a:r>
             <a:endParaRPr lang="zh-CN" altLang="en-US" dirty="0"/>
           </a:p>
@@ -6554,11 +6444,7 @@
             </a:pPr>
             <a:r>
               <a:rPr lang="zh-CN" altLang="en-US" dirty="0" smtClean="0"/>
-              <a:t>定</a:t>
-            </a:r>
-            <a:r>
-              <a:rPr lang="zh-CN" altLang="en-US" dirty="0" smtClean="0"/>
-              <a:t>义：一种用于性能优化的模式，核心是运用共享技术来有效支持大量细粒度的对象。</a:t>
+              <a:t>定义：一种用于性能优化的模式，核心是运用共享技术来有效支持大量细粒度的对象。</a:t>
             </a:r>
             <a:endParaRPr lang="en-US" altLang="zh-CN" dirty="0" smtClean="0"/>
           </a:p>
@@ -6568,11 +6454,7 @@
             </a:pPr>
             <a:r>
               <a:rPr lang="zh-CN" altLang="en-US" dirty="0" smtClean="0"/>
-              <a:t>应</a:t>
-            </a:r>
-            <a:r>
-              <a:rPr lang="zh-CN" altLang="en-US" dirty="0" smtClean="0"/>
-              <a:t>用：文件上传。主要是为了解决大量对象带来的性能问题。</a:t>
+              <a:t>应用：文件上传。主要是为了解决大量对象带来的性能问题。</a:t>
             </a:r>
             <a:endParaRPr lang="zh-CN" altLang="en-US" dirty="0"/>
           </a:p>
@@ -6749,15 +6631,7 @@
             </a:r>
             <a:r>
               <a:rPr lang="zh-CN" altLang="en-US" dirty="0" smtClean="0"/>
-              <a:t>职</a:t>
-            </a:r>
-            <a:r>
-              <a:rPr lang="zh-CN" altLang="en-US" dirty="0" smtClean="0"/>
-              <a:t>责链</a:t>
-            </a:r>
-            <a:r>
-              <a:rPr lang="zh-CN" altLang="en-US" dirty="0" smtClean="0"/>
-              <a:t>模式</a:t>
+              <a:t>职责链模式</a:t>
             </a:r>
             <a:endParaRPr lang="en-US" altLang="zh-CN" dirty="0" smtClean="0"/>
           </a:p>
@@ -6767,11 +6641,7 @@
             </a:pPr>
             <a:r>
               <a:rPr lang="zh-CN" altLang="en-US" dirty="0" smtClean="0"/>
-              <a:t>定</a:t>
-            </a:r>
-            <a:r>
-              <a:rPr lang="zh-CN" altLang="en-US" dirty="0" smtClean="0"/>
-              <a:t>义：使多个对象都有机会处理请求，从而避免请求的发送者和接收者之间的耦合关系，将这些对象连成一条链，并沿着这条链传递该请求，直到有一个对象处理它为止。</a:t>
+              <a:t>定义：使多个对象都有机会处理请求，从而避免请求的发送者和接收者之间的耦合关系，将这些对象连成一条链，并沿着这条链传递该请求，直到有一个对象处理它为止。</a:t>
             </a:r>
             <a:endParaRPr lang="en-US" altLang="zh-CN" dirty="0" smtClean="0"/>
           </a:p>
@@ -6781,11 +6651,7 @@
             </a:pPr>
             <a:r>
               <a:rPr lang="zh-CN" altLang="en-US" dirty="0" smtClean="0"/>
-              <a:t>应</a:t>
-            </a:r>
-            <a:r>
-              <a:rPr lang="zh-CN" altLang="en-US" dirty="0" smtClean="0"/>
-              <a:t>用：模拟</a:t>
+              <a:t>应用：模拟</a:t>
             </a:r>
             <a:r>
               <a:rPr lang="en-US" altLang="zh-CN" dirty="0" smtClean="0"/>
@@ -6980,15 +6846,7 @@
             </a:pPr>
             <a:r>
               <a:rPr lang="zh-CN" altLang="en-US" dirty="0" smtClean="0"/>
-              <a:t>定</a:t>
-            </a:r>
-            <a:r>
-              <a:rPr lang="zh-CN" altLang="en-US" dirty="0" smtClean="0"/>
-              <a:t>义：</a:t>
-            </a:r>
-            <a:r>
-              <a:rPr lang="zh-CN" altLang="en-US" dirty="0" smtClean="0"/>
-              <a:t>中介者对象可以让各个对象之间不需要显示的相互引用，从而使其耦合松散，而且可以独立的改变它们之间的交互。</a:t>
+              <a:t>定义：中介者对象可以让各个对象之间不需要显示的相互引用，从而使其耦合松散，而且可以独立的改变它们之间的交互。</a:t>
             </a:r>
             <a:endParaRPr lang="en-US" altLang="zh-CN" dirty="0" smtClean="0"/>
           </a:p>
@@ -6998,7 +6856,11 @@
             </a:pPr>
             <a:r>
               <a:rPr lang="zh-CN" altLang="en-US" dirty="0" smtClean="0"/>
-              <a:t>应用：解除对象与对象之间的紧耦合关系。</a:t>
+              <a:t>应用：解除对象与对象之间的紧耦合关系</a:t>
+            </a:r>
+            <a:r>
+              <a:rPr lang="zh-CN" altLang="en-US" dirty="0" smtClean="0"/>
+              <a:t>。例如：商品购买页面。</a:t>
             </a:r>
             <a:endParaRPr lang="zh-CN" altLang="en-US" dirty="0"/>
           </a:p>
@@ -7031,25 +6893,6 @@
       </p:grpSpPr>
       <p:sp>
         <p:nvSpPr>
-          <p:cNvPr id="2" name="标题 1"/>
-          <p:cNvSpPr>
-            <a:spLocks noGrp="1"/>
-          </p:cNvSpPr>
-          <p:nvPr>
-            <p:ph type="title"/>
-          </p:nvPr>
-        </p:nvSpPr>
-        <p:spPr/>
-        <p:txBody>
-          <a:bodyPr/>
-          <a:lstStyle/>
-          <a:p>
-            <a:endParaRPr lang="zh-CN" altLang="en-US"/>
-          </a:p>
-        </p:txBody>
-      </p:sp>
-      <p:sp>
-        <p:nvSpPr>
           <p:cNvPr id="3" name="内容占位符 2"/>
           <p:cNvSpPr>
             <a:spLocks noGrp="1"/>
@@ -7068,21 +6911,90 @@
             </a:pPr>
             <a:r>
               <a:rPr lang="zh-CN" altLang="en-US" dirty="0" smtClean="0"/>
-              <a:t>代</a:t>
-            </a:r>
-            <a:r>
-              <a:rPr lang="zh-CN" altLang="en-US" dirty="0" smtClean="0"/>
-              <a:t>码：</a:t>
+              <a:t>代码：</a:t>
             </a:r>
             <a:endParaRPr lang="zh-CN" altLang="en-US" dirty="0"/>
           </a:p>
         </p:txBody>
       </p:sp>
+      <p:pic>
+        <p:nvPicPr>
+          <p:cNvPr id="3076" name="Picture 4"/>
+          <p:cNvPicPr>
+            <a:picLocks noChangeAspect="1" noChangeArrowheads="1"/>
+          </p:cNvPicPr>
+          <p:nvPr/>
+        </p:nvPicPr>
+        <p:blipFill>
+          <a:blip r:embed="rId2"/>
+          <a:srcRect/>
+          <a:stretch>
+            <a:fillRect/>
+          </a:stretch>
+        </p:blipFill>
+        <p:spPr bwMode="auto">
+          <a:xfrm>
+            <a:off x="1571604" y="1071546"/>
+            <a:ext cx="3643338" cy="5295912"/>
+          </a:xfrm>
+          <a:prstGeom prst="rect">
+            <a:avLst/>
+          </a:prstGeom>
+          <a:noFill/>
+          <a:ln w="9525">
+            <a:noFill/>
+            <a:miter lim="800000"/>
+            <a:headEnd/>
+            <a:tailEnd/>
+          </a:ln>
+          <a:effectLst/>
+        </p:spPr>
+      </p:pic>
+      <p:pic>
+        <p:nvPicPr>
+          <p:cNvPr id="3077" name="Picture 5"/>
+          <p:cNvPicPr>
+            <a:picLocks noChangeAspect="1" noChangeArrowheads="1"/>
+          </p:cNvPicPr>
+          <p:nvPr/>
+        </p:nvPicPr>
+        <p:blipFill>
+          <a:blip r:embed="rId3"/>
+          <a:srcRect/>
+          <a:stretch>
+            <a:fillRect/>
+          </a:stretch>
+        </p:blipFill>
+        <p:spPr bwMode="auto">
+          <a:xfrm>
+            <a:off x="5429256" y="714356"/>
+            <a:ext cx="3143272" cy="5791209"/>
+          </a:xfrm>
+          <a:prstGeom prst="rect">
+            <a:avLst/>
+          </a:prstGeom>
+          <a:noFill/>
+          <a:ln w="9525">
+            <a:noFill/>
+            <a:miter lim="800000"/>
+            <a:headEnd/>
+            <a:tailEnd/>
+          </a:ln>
+          <a:effectLst/>
+        </p:spPr>
+      </p:pic>
     </p:spTree>
   </p:cSld>
   <p:clrMapOvr>
     <a:masterClrMapping/>
   </p:clrMapOvr>
+  <p:timing>
+    <p:tnLst>
+      <p:par>
+        <p:cTn id="1" dur="indefinite" restart="never" nodeType="tmRoot"/>
+      </p:par>
+    </p:tnLst>
+  </p:timing>
 </p:sld>
 </file>
 
@@ -7271,11 +7183,23 @@
             </a:pPr>
             <a:r>
               <a:rPr lang="zh-CN" altLang="en-US" dirty="0" smtClean="0"/>
-              <a:t>定</a:t>
-            </a:r>
-            <a:r>
-              <a:rPr lang="zh-CN" altLang="en-US" dirty="0" smtClean="0"/>
-              <a:t>义：</a:t>
+              <a:t>定义</a:t>
+            </a:r>
+            <a:r>
+              <a:rPr lang="zh-CN" altLang="en-US" dirty="0" smtClean="0"/>
+              <a:t>：给对象动态地增加职责的方式。</a:t>
+            </a:r>
+            <a:r>
+              <a:rPr lang="zh-CN" altLang="en-US" dirty="0" smtClean="0"/>
+              <a:t>继</a:t>
+            </a:r>
+            <a:r>
+              <a:rPr lang="zh-CN" altLang="en-US" dirty="0" smtClean="0"/>
+              <a:t>承的</a:t>
+            </a:r>
+            <a:r>
+              <a:rPr lang="zh-CN" altLang="en-US" dirty="0" smtClean="0"/>
+              <a:t>替代方案</a:t>
             </a:r>
             <a:endParaRPr lang="en-US" altLang="zh-CN" dirty="0" smtClean="0"/>
           </a:p>
@@ -7285,11 +7209,11 @@
             </a:pPr>
             <a:r>
               <a:rPr lang="zh-CN" altLang="en-US" dirty="0" smtClean="0"/>
-              <a:t>应</a:t>
-            </a:r>
-            <a:r>
-              <a:rPr lang="zh-CN" altLang="en-US" dirty="0" smtClean="0"/>
-              <a:t>用：</a:t>
+              <a:t>应用</a:t>
+            </a:r>
+            <a:r>
+              <a:rPr lang="zh-CN" altLang="en-US" dirty="0" smtClean="0"/>
+              <a:t>：数据上报；插件式表单验证；你想给原函数增加功能，但是又不想直接改原函数，那就用这种方式；</a:t>
             </a:r>
             <a:endParaRPr lang="zh-CN" altLang="en-US" dirty="0"/>
           </a:p>
@@ -7300,6 +7224,13 @@
   <p:clrMapOvr>
     <a:masterClrMapping/>
   </p:clrMapOvr>
+  <p:timing>
+    <p:tnLst>
+      <p:par>
+        <p:cTn id="1" dur="indefinite" restart="never" nodeType="tmRoot"/>
+      </p:par>
+    </p:tnLst>
+  </p:timing>
 </p:sld>
 </file>
 
@@ -7322,25 +7253,6 @@
       </p:grpSpPr>
       <p:sp>
         <p:nvSpPr>
-          <p:cNvPr id="2" name="标题 1"/>
-          <p:cNvSpPr>
-            <a:spLocks noGrp="1"/>
-          </p:cNvSpPr>
-          <p:nvPr>
-            <p:ph type="title"/>
-          </p:nvPr>
-        </p:nvSpPr>
-        <p:spPr/>
-        <p:txBody>
-          <a:bodyPr/>
-          <a:lstStyle/>
-          <a:p>
-            <a:endParaRPr lang="zh-CN" altLang="en-US"/>
-          </a:p>
-        </p:txBody>
-      </p:sp>
-      <p:sp>
-        <p:nvSpPr>
           <p:cNvPr id="3" name="内容占位符 2"/>
           <p:cNvSpPr>
             <a:spLocks noGrp="1"/>
@@ -7365,6 +7277,39 @@
           </a:p>
         </p:txBody>
       </p:sp>
+      <p:pic>
+        <p:nvPicPr>
+          <p:cNvPr id="4" name="Picture 2"/>
+          <p:cNvPicPr>
+            <a:picLocks noChangeAspect="1" noChangeArrowheads="1"/>
+          </p:cNvPicPr>
+          <p:nvPr/>
+        </p:nvPicPr>
+        <p:blipFill>
+          <a:blip r:embed="rId2"/>
+          <a:srcRect/>
+          <a:stretch>
+            <a:fillRect/>
+          </a:stretch>
+        </p:blipFill>
+        <p:spPr bwMode="auto">
+          <a:xfrm>
+            <a:off x="2553448" y="155998"/>
+            <a:ext cx="4071966" cy="6098342"/>
+          </a:xfrm>
+          <a:prstGeom prst="rect">
+            <a:avLst/>
+          </a:prstGeom>
+          <a:noFill/>
+          <a:ln w="9525">
+            <a:noFill/>
+            <a:miter lim="800000"/>
+            <a:headEnd/>
+            <a:tailEnd/>
+          </a:ln>
+          <a:effectLst/>
+        </p:spPr>
+      </p:pic>
     </p:spTree>
   </p:cSld>
   <p:clrMapOvr>
@@ -7405,7 +7350,7 @@
           <a:bodyPr/>
           <a:lstStyle/>
           <a:p>
-            <a:endParaRPr lang="zh-CN" altLang="en-US"/>
+            <a:endParaRPr lang="zh-CN" altLang="en-US" dirty="0"/>
           </a:p>
         </p:txBody>
       </p:sp>
@@ -7443,11 +7388,27 @@
             </a:pPr>
             <a:r>
               <a:rPr lang="zh-CN" altLang="en-US" dirty="0" smtClean="0"/>
-              <a:t>定</a:t>
-            </a:r>
-            <a:r>
-              <a:rPr lang="zh-CN" altLang="en-US" dirty="0" smtClean="0"/>
-              <a:t>义：</a:t>
+              <a:t>定义</a:t>
+            </a:r>
+            <a:r>
+              <a:rPr lang="zh-CN" altLang="en-US" dirty="0" smtClean="0"/>
+              <a:t>：</a:t>
+            </a:r>
+            <a:r>
+              <a:rPr lang="zh-CN" altLang="en-US" dirty="0" smtClean="0"/>
+              <a:t>允许一个对象在其内部状态改变的时候改变它的行为，对象看起来似乎修改了它的类</a:t>
+            </a:r>
+            <a:r>
+              <a:rPr lang="zh-CN" altLang="en-US" dirty="0" smtClean="0"/>
+              <a:t>。</a:t>
+            </a:r>
+            <a:r>
+              <a:rPr lang="zh-CN" altLang="en-US" b="1" dirty="0" smtClean="0"/>
+              <a:t>关键是</a:t>
+            </a:r>
+            <a:r>
+              <a:rPr lang="zh-CN" altLang="en-US" dirty="0" smtClean="0"/>
+              <a:t>区分事物内部的状态，事物内部状态的改变往往会带来事物行为的改变。</a:t>
             </a:r>
             <a:endParaRPr lang="en-US" altLang="zh-CN" dirty="0" smtClean="0"/>
           </a:p>
@@ -7457,11 +7418,11 @@
             </a:pPr>
             <a:r>
               <a:rPr lang="zh-CN" altLang="en-US" dirty="0" smtClean="0"/>
-              <a:t>应</a:t>
-            </a:r>
-            <a:r>
-              <a:rPr lang="zh-CN" altLang="en-US" dirty="0" smtClean="0"/>
-              <a:t>用：</a:t>
+              <a:t>应用</a:t>
+            </a:r>
+            <a:r>
+              <a:rPr lang="zh-CN" altLang="en-US" dirty="0" smtClean="0"/>
+              <a:t>：例如文件上传的正在上传、暂停、上传成功。</a:t>
             </a:r>
             <a:endParaRPr lang="zh-CN" altLang="en-US" dirty="0"/>
           </a:p>
@@ -7537,6 +7498,72 @@
           </a:p>
         </p:txBody>
       </p:sp>
+      <p:pic>
+        <p:nvPicPr>
+          <p:cNvPr id="2050" name="Picture 2"/>
+          <p:cNvPicPr>
+            <a:picLocks noChangeAspect="1" noChangeArrowheads="1"/>
+          </p:cNvPicPr>
+          <p:nvPr/>
+        </p:nvPicPr>
+        <p:blipFill>
+          <a:blip r:embed="rId2"/>
+          <a:srcRect/>
+          <a:stretch>
+            <a:fillRect/>
+          </a:stretch>
+        </p:blipFill>
+        <p:spPr bwMode="auto">
+          <a:xfrm>
+            <a:off x="1714480" y="1571612"/>
+            <a:ext cx="3429023" cy="4573668"/>
+          </a:xfrm>
+          <a:prstGeom prst="rect">
+            <a:avLst/>
+          </a:prstGeom>
+          <a:noFill/>
+          <a:ln w="9525">
+            <a:noFill/>
+            <a:miter lim="800000"/>
+            <a:headEnd/>
+            <a:tailEnd/>
+          </a:ln>
+          <a:effectLst/>
+        </p:spPr>
+      </p:pic>
+      <p:pic>
+        <p:nvPicPr>
+          <p:cNvPr id="2051" name="Picture 3"/>
+          <p:cNvPicPr>
+            <a:picLocks noChangeAspect="1" noChangeArrowheads="1"/>
+          </p:cNvPicPr>
+          <p:nvPr/>
+        </p:nvPicPr>
+        <p:blipFill>
+          <a:blip r:embed="rId3"/>
+          <a:srcRect/>
+          <a:stretch>
+            <a:fillRect/>
+          </a:stretch>
+        </p:blipFill>
+        <p:spPr bwMode="auto">
+          <a:xfrm>
+            <a:off x="5357818" y="1643050"/>
+            <a:ext cx="3258872" cy="3771909"/>
+          </a:xfrm>
+          <a:prstGeom prst="rect">
+            <a:avLst/>
+          </a:prstGeom>
+          <a:noFill/>
+          <a:ln w="9525">
+            <a:noFill/>
+            <a:miter lim="800000"/>
+            <a:headEnd/>
+            <a:tailEnd/>
+          </a:ln>
+          <a:effectLst/>
+        </p:spPr>
+      </p:pic>
     </p:spTree>
   </p:cSld>
   <p:clrMapOvr>
@@ -7615,27 +7642,47 @@
             </a:pPr>
             <a:r>
               <a:rPr lang="zh-CN" altLang="en-US" dirty="0" smtClean="0"/>
-              <a:t>定</a:t>
-            </a:r>
-            <a:r>
-              <a:rPr lang="zh-CN" altLang="en-US" dirty="0" smtClean="0"/>
-              <a:t>义：</a:t>
-            </a:r>
-            <a:endParaRPr lang="en-US" altLang="zh-CN" dirty="0" smtClean="0"/>
-          </a:p>
-          <a:p>
-            <a:pPr>
-              <a:buNone/>
-            </a:pPr>
-            <a:r>
-              <a:rPr lang="zh-CN" altLang="en-US" dirty="0" smtClean="0"/>
-              <a:t>应</a:t>
-            </a:r>
-            <a:r>
-              <a:rPr lang="zh-CN" altLang="en-US" dirty="0" smtClean="0"/>
-              <a:t>用：</a:t>
-            </a:r>
-            <a:endParaRPr lang="zh-CN" altLang="en-US" dirty="0"/>
+              <a:t>定义</a:t>
+            </a:r>
+            <a:r>
+              <a:rPr lang="zh-CN" altLang="en-US" dirty="0" smtClean="0"/>
+              <a:t>：</a:t>
+            </a:r>
+            <a:r>
+              <a:rPr lang="en-US" sz="2400" dirty="0" smtClean="0"/>
+              <a:t>Adapter，</a:t>
+            </a:r>
+            <a:r>
+              <a:rPr lang="zh-CN" altLang="en-US" sz="2400" dirty="0" smtClean="0"/>
+              <a:t>将一个类（对象）的接口（方法或者属性）转化为另一个接口，以满足用户需求，使类（对象）之间接口的不兼容问题通过适配器得以解决。</a:t>
+            </a:r>
+            <a:endParaRPr lang="en-US" altLang="zh-CN" sz="2400" dirty="0" smtClean="0"/>
+          </a:p>
+          <a:p>
+            <a:pPr>
+              <a:buNone/>
+            </a:pPr>
+            <a:r>
+              <a:rPr lang="zh-CN" altLang="en-US" dirty="0" smtClean="0"/>
+              <a:t>应用</a:t>
+            </a:r>
+            <a:r>
+              <a:rPr lang="zh-CN" altLang="en-US" dirty="0" smtClean="0"/>
+              <a:t>：</a:t>
+            </a:r>
+            <a:r>
+              <a:rPr lang="zh-CN" altLang="en-US" sz="2400" dirty="0" smtClean="0"/>
+              <a:t>实际开发环境下，由于旧的系统，或第三方应用提供的接口，与我们定义的接口不匹配，在以面向接口编程的环境下，就无法使用这样旧的，或第三方的接口，这时我们就使用适配类继承待适匹配的类，并让适配类实现接口的方式来引入旧的系统或第三方应用的接</a:t>
+            </a:r>
+            <a:r>
+              <a:rPr lang="zh-CN" altLang="en-US" sz="2400" dirty="0" smtClean="0"/>
+              <a:t>口</a:t>
+            </a:r>
+            <a:r>
+              <a:rPr lang="zh-CN" altLang="en-US" sz="2400" b="1" dirty="0" smtClean="0"/>
+              <a:t>。“亡羊补牢”，救急用。</a:t>
+            </a:r>
+            <a:endParaRPr lang="zh-CN" altLang="en-US" sz="2400" b="1" dirty="0"/>
           </a:p>
         </p:txBody>
       </p:sp>
@@ -7709,6 +7756,72 @@
           </a:p>
         </p:txBody>
       </p:sp>
+      <p:pic>
+        <p:nvPicPr>
+          <p:cNvPr id="1026" name="Picture 2"/>
+          <p:cNvPicPr>
+            <a:picLocks noChangeAspect="1" noChangeArrowheads="1"/>
+          </p:cNvPicPr>
+          <p:nvPr/>
+        </p:nvPicPr>
+        <p:blipFill>
+          <a:blip r:embed="rId2"/>
+          <a:srcRect t="3937" r="13953"/>
+          <a:stretch>
+            <a:fillRect/>
+          </a:stretch>
+        </p:blipFill>
+        <p:spPr bwMode="auto">
+          <a:xfrm>
+            <a:off x="1214414" y="2285992"/>
+            <a:ext cx="2643206" cy="3486149"/>
+          </a:xfrm>
+          <a:prstGeom prst="rect">
+            <a:avLst/>
+          </a:prstGeom>
+          <a:noFill/>
+          <a:ln w="9525">
+            <a:noFill/>
+            <a:miter lim="800000"/>
+            <a:headEnd/>
+            <a:tailEnd/>
+          </a:ln>
+          <a:effectLst/>
+        </p:spPr>
+      </p:pic>
+      <p:pic>
+        <p:nvPicPr>
+          <p:cNvPr id="1027" name="Picture 3"/>
+          <p:cNvPicPr>
+            <a:picLocks noChangeAspect="1" noChangeArrowheads="1"/>
+          </p:cNvPicPr>
+          <p:nvPr/>
+        </p:nvPicPr>
+        <p:blipFill>
+          <a:blip r:embed="rId3"/>
+          <a:srcRect/>
+          <a:stretch>
+            <a:fillRect/>
+          </a:stretch>
+        </p:blipFill>
+        <p:spPr bwMode="auto">
+          <a:xfrm>
+            <a:off x="4857752" y="1571612"/>
+            <a:ext cx="2886075" cy="4543425"/>
+          </a:xfrm>
+          <a:prstGeom prst="rect">
+            <a:avLst/>
+          </a:prstGeom>
+          <a:noFill/>
+          <a:ln w="9525">
+            <a:noFill/>
+            <a:miter lim="800000"/>
+            <a:headEnd/>
+            <a:tailEnd/>
+          </a:ln>
+          <a:effectLst/>
+        </p:spPr>
+      </p:pic>
     </p:spTree>
   </p:cSld>
   <p:clrMapOvr>

--- a/恒拓PPT模板.pptx
+++ b/恒拓PPT模板.pptx
@@ -50,7 +50,9 @@
     <p:sldId id="297" r:id="rId44"/>
     <p:sldId id="298" r:id="rId45"/>
     <p:sldId id="299" r:id="rId46"/>
-    <p:sldId id="259" r:id="rId47"/>
+    <p:sldId id="303" r:id="rId47"/>
+    <p:sldId id="259" r:id="rId48"/>
+    <p:sldId id="304" r:id="rId49"/>
   </p:sldIdLst>
   <p:sldSz cx="9144000" cy="6858000" type="screen4x3"/>
   <p:notesSz cx="6858000" cy="9144000"/>
@@ -340,7 +342,7 @@
             <a:fld id="{530820CF-B880-4189-942D-D702A7CBA730}" type="datetimeFigureOut">
               <a:rPr lang="zh-CN" altLang="en-US" smtClean="0"/>
               <a:pPr/>
-              <a:t>2017/5/8</a:t>
+              <a:t>2017/5/9</a:t>
             </a:fld>
             <a:endParaRPr lang="zh-CN" altLang="en-US"/>
           </a:p>
@@ -523,7 +525,7 @@
             <a:fld id="{530820CF-B880-4189-942D-D702A7CBA730}" type="datetimeFigureOut">
               <a:rPr lang="zh-CN" altLang="en-US" smtClean="0"/>
               <a:pPr/>
-              <a:t>2017/5/8</a:t>
+              <a:t>2017/5/9</a:t>
             </a:fld>
             <a:endParaRPr lang="zh-CN" altLang="en-US"/>
           </a:p>
@@ -706,7 +708,7 @@
             <a:fld id="{530820CF-B880-4189-942D-D702A7CBA730}" type="datetimeFigureOut">
               <a:rPr lang="zh-CN" altLang="en-US" smtClean="0"/>
               <a:pPr/>
-              <a:t>2017/5/8</a:t>
+              <a:t>2017/5/9</a:t>
             </a:fld>
             <a:endParaRPr lang="zh-CN" altLang="en-US"/>
           </a:p>
@@ -889,7 +891,7 @@
             <a:fld id="{530820CF-B880-4189-942D-D702A7CBA730}" type="datetimeFigureOut">
               <a:rPr lang="zh-CN" altLang="en-US" smtClean="0"/>
               <a:pPr/>
-              <a:t>2017/5/8</a:t>
+              <a:t>2017/5/9</a:t>
             </a:fld>
             <a:endParaRPr lang="zh-CN" altLang="en-US"/>
           </a:p>
@@ -1138,7 +1140,7 @@
             <a:fld id="{530820CF-B880-4189-942D-D702A7CBA730}" type="datetimeFigureOut">
               <a:rPr lang="zh-CN" altLang="en-US" smtClean="0"/>
               <a:pPr/>
-              <a:t>2017/5/8</a:t>
+              <a:t>2017/5/9</a:t>
             </a:fld>
             <a:endParaRPr lang="zh-CN" altLang="en-US"/>
           </a:p>
@@ -1437,7 +1439,7 @@
             <a:fld id="{530820CF-B880-4189-942D-D702A7CBA730}" type="datetimeFigureOut">
               <a:rPr lang="zh-CN" altLang="en-US" smtClean="0"/>
               <a:pPr/>
-              <a:t>2017/5/8</a:t>
+              <a:t>2017/5/9</a:t>
             </a:fld>
             <a:endParaRPr lang="zh-CN" altLang="en-US"/>
           </a:p>
@@ -1876,7 +1878,7 @@
             <a:fld id="{530820CF-B880-4189-942D-D702A7CBA730}" type="datetimeFigureOut">
               <a:rPr lang="zh-CN" altLang="en-US" smtClean="0"/>
               <a:pPr/>
-              <a:t>2017/5/8</a:t>
+              <a:t>2017/5/9</a:t>
             </a:fld>
             <a:endParaRPr lang="zh-CN" altLang="en-US"/>
           </a:p>
@@ -1999,7 +2001,7 @@
             <a:fld id="{530820CF-B880-4189-942D-D702A7CBA730}" type="datetimeFigureOut">
               <a:rPr lang="zh-CN" altLang="en-US" smtClean="0"/>
               <a:pPr/>
-              <a:t>2017/5/8</a:t>
+              <a:t>2017/5/9</a:t>
             </a:fld>
             <a:endParaRPr lang="zh-CN" altLang="en-US"/>
           </a:p>
@@ -2091,7 +2093,7 @@
             <a:fld id="{530820CF-B880-4189-942D-D702A7CBA730}" type="datetimeFigureOut">
               <a:rPr lang="zh-CN" altLang="en-US" smtClean="0"/>
               <a:pPr/>
-              <a:t>2017/5/8</a:t>
+              <a:t>2017/5/9</a:t>
             </a:fld>
             <a:endParaRPr lang="zh-CN" altLang="en-US"/>
           </a:p>
@@ -2374,7 +2376,7 @@
             <a:fld id="{530820CF-B880-4189-942D-D702A7CBA730}" type="datetimeFigureOut">
               <a:rPr lang="zh-CN" altLang="en-US" smtClean="0"/>
               <a:pPr/>
-              <a:t>2017/5/8</a:t>
+              <a:t>2017/5/9</a:t>
             </a:fld>
             <a:endParaRPr lang="zh-CN" altLang="en-US"/>
           </a:p>
@@ -2637,7 +2639,7 @@
             <a:fld id="{530820CF-B880-4189-942D-D702A7CBA730}" type="datetimeFigureOut">
               <a:rPr lang="zh-CN" altLang="en-US" smtClean="0"/>
               <a:pPr/>
-              <a:t>2017/5/8</a:t>
+              <a:t>2017/5/9</a:t>
             </a:fld>
             <a:endParaRPr lang="zh-CN" altLang="en-US"/>
           </a:p>
@@ -2778,7 +2780,7 @@
             <a:fld id="{530820CF-B880-4189-942D-D702A7CBA730}" type="datetimeFigureOut">
               <a:rPr lang="zh-CN" altLang="en-US" smtClean="0"/>
               <a:pPr/>
-              <a:t>2017/5/8</a:t>
+              <a:t>2017/5/9</a:t>
             </a:fld>
             <a:endParaRPr lang="zh-CN" altLang="en-US"/>
           </a:p>
@@ -6077,7 +6079,27 @@
             </a:r>
             <a:r>
               <a:rPr lang="zh-CN" altLang="en-US" dirty="0" smtClean="0"/>
-              <a:t>的机制，联动菜单，菜单导航。所以说组合模式的关键是要有一个抽象类，它既可以表示子元素，又可以表示父元素。</a:t>
+              <a:t>的机制，联动菜单，菜单导航</a:t>
+            </a:r>
+            <a:r>
+              <a:rPr lang="zh-CN" altLang="en-US" dirty="0" smtClean="0"/>
+              <a:t>。</a:t>
+            </a:r>
+            <a:r>
+              <a:rPr lang="zh-CN" altLang="en-US" dirty="0" smtClean="0"/>
+              <a:t>两</a:t>
+            </a:r>
+            <a:r>
+              <a:rPr lang="zh-CN" altLang="en-US" dirty="0" smtClean="0"/>
+              <a:t>种情况：对象的整体层次结构不清晰的时候；</a:t>
+            </a:r>
+            <a:r>
+              <a:rPr lang="zh-CN" altLang="en-US" dirty="0" smtClean="0"/>
+              <a:t>统一对待树中的所有对象</a:t>
+            </a:r>
+            <a:r>
+              <a:rPr lang="zh-CN" altLang="en-US" dirty="0" smtClean="0"/>
+              <a:t>。</a:t>
             </a:r>
             <a:endParaRPr lang="en-US" altLang="zh-CN" dirty="0" smtClean="0"/>
           </a:p>
@@ -6136,7 +6158,7 @@
           <a:bodyPr/>
           <a:lstStyle/>
           <a:p>
-            <a:endParaRPr lang="zh-CN" altLang="en-US"/>
+            <a:endParaRPr lang="zh-CN" altLang="en-US" dirty="0"/>
           </a:p>
         </p:txBody>
       </p:sp>
@@ -6166,35 +6188,105 @@
           </a:p>
         </p:txBody>
       </p:sp>
-      <p:sp>
-        <p:nvSpPr>
-          <p:cNvPr id="4" name="矩形 3"/>
-          <p:cNvSpPr/>
+      <p:pic>
+        <p:nvPicPr>
+          <p:cNvPr id="1026" name="Picture 2"/>
+          <p:cNvPicPr>
+            <a:picLocks noChangeAspect="1" noChangeArrowheads="1"/>
+          </p:cNvPicPr>
           <p:nvPr/>
-        </p:nvSpPr>
-        <p:spPr>
+        </p:nvPicPr>
+        <p:blipFill>
+          <a:blip r:embed="rId2"/>
+          <a:srcRect r="18485"/>
+          <a:stretch>
+            <a:fillRect/>
+          </a:stretch>
+        </p:blipFill>
+        <p:spPr bwMode="auto">
           <a:xfrm>
-            <a:off x="2286000" y="3105835"/>
-            <a:ext cx="4572000" cy="646331"/>
+            <a:off x="142845" y="2214554"/>
+            <a:ext cx="4357717" cy="4134464"/>
           </a:xfrm>
           <a:prstGeom prst="rect">
             <a:avLst/>
           </a:prstGeom>
+          <a:noFill/>
+          <a:ln w="9525">
+            <a:noFill/>
+            <a:miter lim="800000"/>
+            <a:headEnd/>
+            <a:tailEnd/>
+          </a:ln>
+          <a:effectLst/>
         </p:spPr>
-        <p:txBody>
-          <a:bodyPr>
-            <a:spAutoFit/>
-          </a:bodyPr>
-          <a:lstStyle/>
-          <a:p>
-            <a:r>
-              <a:rPr lang="en-US" altLang="zh-CN" dirty="0" smtClean="0"/>
-              <a:t>http://luopq.com/2015/11/16/design-pattern-composite/</a:t>
-            </a:r>
-            <a:endParaRPr lang="zh-CN" altLang="en-US" dirty="0"/>
-          </a:p>
-        </p:txBody>
-      </p:sp>
+      </p:pic>
+      <p:pic>
+        <p:nvPicPr>
+          <p:cNvPr id="1027" name="Picture 3"/>
+          <p:cNvPicPr>
+            <a:picLocks noChangeAspect="1" noChangeArrowheads="1"/>
+          </p:cNvPicPr>
+          <p:nvPr/>
+        </p:nvPicPr>
+        <p:blipFill>
+          <a:blip r:embed="rId3"/>
+          <a:srcRect/>
+          <a:stretch>
+            <a:fillRect/>
+          </a:stretch>
+        </p:blipFill>
+        <p:spPr bwMode="auto">
+          <a:xfrm>
+            <a:off x="4572000" y="1785926"/>
+            <a:ext cx="4288231" cy="4481523"/>
+          </a:xfrm>
+          <a:prstGeom prst="rect">
+            <a:avLst/>
+          </a:prstGeom>
+          <a:noFill/>
+          <a:ln w="9525">
+            <a:noFill/>
+            <a:miter lim="800000"/>
+            <a:headEnd/>
+            <a:tailEnd/>
+          </a:ln>
+          <a:effectLst/>
+        </p:spPr>
+      </p:pic>
+      <p:pic>
+        <p:nvPicPr>
+          <p:cNvPr id="1028" name="Picture 4"/>
+          <p:cNvPicPr>
+            <a:picLocks noChangeAspect="1" noChangeArrowheads="1"/>
+          </p:cNvPicPr>
+          <p:nvPr/>
+        </p:nvPicPr>
+        <p:blipFill>
+          <a:blip r:embed="rId4"/>
+          <a:srcRect/>
+          <a:stretch>
+            <a:fillRect/>
+          </a:stretch>
+        </p:blipFill>
+        <p:spPr bwMode="auto">
+          <a:xfrm>
+            <a:off x="1643042" y="2786058"/>
+            <a:ext cx="5905500" cy="3143250"/>
+          </a:xfrm>
+          <a:prstGeom prst="rect">
+            <a:avLst/>
+          </a:prstGeom>
+          <a:noFill/>
+          <a:ln w="9525">
+            <a:noFill/>
+            <a:miter lim="800000"/>
+            <a:headEnd/>
+            <a:tailEnd/>
+          </a:ln>
+          <a:effectLst/>
+        </p:spPr>
+      </p:pic>
     </p:spTree>
   </p:cSld>
   <p:clrMapOvr>
@@ -6203,7 +6295,171 @@
   <p:timing>
     <p:tnLst>
       <p:par>
-        <p:cTn id="1" dur="indefinite" restart="never" nodeType="tmRoot"/>
+        <p:cTn id="1" dur="indefinite" restart="never" nodeType="tmRoot">
+          <p:childTnLst>
+            <p:seq concurrent="1" nextAc="seek">
+              <p:cTn id="2" dur="indefinite" nodeType="mainSeq">
+                <p:childTnLst>
+                  <p:par>
+                    <p:cTn id="3" fill="hold">
+                      <p:stCondLst>
+                        <p:cond delay="indefinite"/>
+                      </p:stCondLst>
+                      <p:childTnLst>
+                        <p:par>
+                          <p:cTn id="4" fill="hold">
+                            <p:stCondLst>
+                              <p:cond delay="0"/>
+                            </p:stCondLst>
+                            <p:childTnLst>
+                              <p:par>
+                                <p:cTn id="5" presetID="3" presetClass="entr" presetSubtype="10" fill="hold" nodeType="clickEffect">
+                                  <p:stCondLst>
+                                    <p:cond delay="0"/>
+                                  </p:stCondLst>
+                                  <p:childTnLst>
+                                    <p:set>
+                                      <p:cBhvr>
+                                        <p:cTn id="6" dur="1" fill="hold">
+                                          <p:stCondLst>
+                                            <p:cond delay="0"/>
+                                          </p:stCondLst>
+                                        </p:cTn>
+                                        <p:tgtEl>
+                                          <p:spTgt spid="1026"/>
+                                        </p:tgtEl>
+                                        <p:attrNameLst>
+                                          <p:attrName>style.visibility</p:attrName>
+                                        </p:attrNameLst>
+                                      </p:cBhvr>
+                                      <p:to>
+                                        <p:strVal val="visible"/>
+                                      </p:to>
+                                    </p:set>
+                                    <p:animEffect transition="in" filter="blinds(horizontal)">
+                                      <p:cBhvr>
+                                        <p:cTn id="7" dur="500"/>
+                                        <p:tgtEl>
+                                          <p:spTgt spid="1026"/>
+                                        </p:tgtEl>
+                                      </p:cBhvr>
+                                    </p:animEffect>
+                                  </p:childTnLst>
+                                </p:cTn>
+                              </p:par>
+                              <p:par>
+                                <p:cTn id="8" presetID="3" presetClass="entr" presetSubtype="10" fill="hold" nodeType="withEffect">
+                                  <p:stCondLst>
+                                    <p:cond delay="0"/>
+                                  </p:stCondLst>
+                                  <p:childTnLst>
+                                    <p:set>
+                                      <p:cBhvr>
+                                        <p:cTn id="9" dur="1" fill="hold">
+                                          <p:stCondLst>
+                                            <p:cond delay="0"/>
+                                          </p:stCondLst>
+                                        </p:cTn>
+                                        <p:tgtEl>
+                                          <p:spTgt spid="1027"/>
+                                        </p:tgtEl>
+                                        <p:attrNameLst>
+                                          <p:attrName>style.visibility</p:attrName>
+                                        </p:attrNameLst>
+                                      </p:cBhvr>
+                                      <p:to>
+                                        <p:strVal val="visible"/>
+                                      </p:to>
+                                    </p:set>
+                                    <p:animEffect transition="in" filter="blinds(horizontal)">
+                                      <p:cBhvr>
+                                        <p:cTn id="10" dur="500"/>
+                                        <p:tgtEl>
+                                          <p:spTgt spid="1027"/>
+                                        </p:tgtEl>
+                                      </p:cBhvr>
+                                    </p:animEffect>
+                                  </p:childTnLst>
+                                </p:cTn>
+                              </p:par>
+                            </p:childTnLst>
+                          </p:cTn>
+                        </p:par>
+                      </p:childTnLst>
+                    </p:cTn>
+                  </p:par>
+                  <p:par>
+                    <p:cTn id="11" fill="hold">
+                      <p:stCondLst>
+                        <p:cond delay="indefinite"/>
+                      </p:stCondLst>
+                      <p:childTnLst>
+                        <p:par>
+                          <p:cTn id="12" fill="hold">
+                            <p:stCondLst>
+                              <p:cond delay="0"/>
+                            </p:stCondLst>
+                            <p:childTnLst>
+                              <p:par>
+                                <p:cTn id="13" presetID="3" presetClass="entr" presetSubtype="10" fill="hold" nodeType="clickEffect">
+                                  <p:stCondLst>
+                                    <p:cond delay="0"/>
+                                  </p:stCondLst>
+                                  <p:childTnLst>
+                                    <p:set>
+                                      <p:cBhvr>
+                                        <p:cTn id="14" dur="1" fill="hold">
+                                          <p:stCondLst>
+                                            <p:cond delay="0"/>
+                                          </p:stCondLst>
+                                        </p:cTn>
+                                        <p:tgtEl>
+                                          <p:spTgt spid="1028"/>
+                                        </p:tgtEl>
+                                        <p:attrNameLst>
+                                          <p:attrName>style.visibility</p:attrName>
+                                        </p:attrNameLst>
+                                      </p:cBhvr>
+                                      <p:to>
+                                        <p:strVal val="visible"/>
+                                      </p:to>
+                                    </p:set>
+                                    <p:animEffect transition="in" filter="blinds(horizontal)">
+                                      <p:cBhvr>
+                                        <p:cTn id="15" dur="2000"/>
+                                        <p:tgtEl>
+                                          <p:spTgt spid="1028"/>
+                                        </p:tgtEl>
+                                      </p:cBhvr>
+                                    </p:animEffect>
+                                  </p:childTnLst>
+                                </p:cTn>
+                              </p:par>
+                            </p:childTnLst>
+                          </p:cTn>
+                        </p:par>
+                      </p:childTnLst>
+                    </p:cTn>
+                  </p:par>
+                </p:childTnLst>
+              </p:cTn>
+              <p:prevCondLst>
+                <p:cond evt="onPrev" delay="0">
+                  <p:tgtEl>
+                    <p:sldTgt/>
+                  </p:tgtEl>
+                </p:cond>
+              </p:prevCondLst>
+              <p:nextCondLst>
+                <p:cond evt="onNext" delay="0">
+                  <p:tgtEl>
+                    <p:sldTgt/>
+                  </p:tgtEl>
+                </p:cond>
+              </p:nextCondLst>
+            </p:seq>
+          </p:childTnLst>
+        </p:cTn>
       </p:par>
     </p:tnLst>
   </p:timing>
@@ -6290,9 +6546,45 @@
             </a:pPr>
             <a:r>
               <a:rPr lang="zh-CN" altLang="en-US" dirty="0" smtClean="0"/>
-              <a:t>应用：常被架构师用于搭建项目的框架，架构师定好了框架的骨架，程序员继承框架的结构之后，负责往里面填空。</a:t>
-            </a:r>
-            <a:endParaRPr lang="zh-CN" altLang="en-US" dirty="0"/>
+              <a:t>应用</a:t>
+            </a:r>
+            <a:r>
+              <a:rPr lang="zh-CN" altLang="en-US" dirty="0" smtClean="0"/>
+              <a:t>：</a:t>
+            </a:r>
+            <a:r>
+              <a:rPr lang="en-US" altLang="zh-CN" dirty="0" smtClean="0"/>
+              <a:t>1.</a:t>
+            </a:r>
+            <a:r>
+              <a:rPr lang="zh-CN" altLang="en-US" sz="2800" dirty="0" smtClean="0"/>
+              <a:t>常</a:t>
+            </a:r>
+            <a:r>
+              <a:rPr lang="zh-CN" altLang="en-US" sz="2800" dirty="0" smtClean="0"/>
+              <a:t>被架构师用于搭建项目的框架，架构师定好了框架的骨架，程序员继承框架的结构之后，负责往里面填空</a:t>
+            </a:r>
+            <a:r>
+              <a:rPr lang="zh-CN" altLang="en-US" sz="2800" dirty="0" smtClean="0"/>
+              <a:t>。</a:t>
+            </a:r>
+            <a:r>
+              <a:rPr lang="en-US" altLang="zh-CN" sz="2800" dirty="0" smtClean="0"/>
+              <a:t>2.</a:t>
+            </a:r>
+            <a:r>
+              <a:rPr lang="zh-CN" altLang="en-US" sz="2800" dirty="0" smtClean="0"/>
+              <a:t>使</a:t>
+            </a:r>
+            <a:r>
+              <a:rPr lang="zh-CN" altLang="en-US" sz="2800" dirty="0" smtClean="0"/>
+              <a:t>用该设计模式意味着子类放弃了对自己的控制权，而是改为父类通知子</a:t>
+            </a:r>
+            <a:r>
+              <a:rPr lang="zh-CN" altLang="en-US" sz="2800" dirty="0" smtClean="0"/>
+              <a:t>类。</a:t>
+            </a:r>
+            <a:endParaRPr lang="zh-CN" altLang="en-US" sz="2800" dirty="0"/>
           </a:p>
         </p:txBody>
       </p:sp>
@@ -6301,6 +6593,13 @@
   <p:clrMapOvr>
     <a:masterClrMapping/>
   </p:clrMapOvr>
+  <p:timing>
+    <p:tnLst>
+      <p:par>
+        <p:cTn id="1" dur="indefinite" restart="never" nodeType="tmRoot"/>
+      </p:par>
+    </p:tnLst>
+  </p:timing>
 </p:sld>
 </file>
 
@@ -6366,11 +6665,51 @@
           </a:p>
         </p:txBody>
       </p:sp>
+      <p:pic>
+        <p:nvPicPr>
+          <p:cNvPr id="2051" name="Picture 3"/>
+          <p:cNvPicPr>
+            <a:picLocks noChangeAspect="1" noChangeArrowheads="1"/>
+          </p:cNvPicPr>
+          <p:nvPr/>
+        </p:nvPicPr>
+        <p:blipFill>
+          <a:blip r:embed="rId2"/>
+          <a:srcRect/>
+          <a:stretch>
+            <a:fillRect/>
+          </a:stretch>
+        </p:blipFill>
+        <p:spPr bwMode="auto">
+          <a:xfrm>
+            <a:off x="1857356" y="500042"/>
+            <a:ext cx="4121150" cy="5892800"/>
+          </a:xfrm>
+          <a:prstGeom prst="rect">
+            <a:avLst/>
+          </a:prstGeom>
+          <a:noFill/>
+          <a:ln w="9525">
+            <a:noFill/>
+            <a:miter lim="800000"/>
+            <a:headEnd/>
+            <a:tailEnd/>
+          </a:ln>
+          <a:effectLst/>
+        </p:spPr>
+      </p:pic>
     </p:spTree>
   </p:cSld>
   <p:clrMapOvr>
     <a:masterClrMapping/>
   </p:clrMapOvr>
+  <p:timing>
+    <p:tnLst>
+      <p:par>
+        <p:cTn id="1" dur="indefinite" restart="never" nodeType="tmRoot"/>
+      </p:par>
+    </p:tnLst>
+  </p:timing>
 </p:sld>
 </file>
 
@@ -6465,6 +6804,13 @@
   <p:clrMapOvr>
     <a:masterClrMapping/>
   </p:clrMapOvr>
+  <p:timing>
+    <p:tnLst>
+      <p:par>
+        <p:cTn id="1" dur="indefinite" restart="never" nodeType="tmRoot"/>
+      </p:par>
+    </p:tnLst>
+  </p:timing>
 </p:sld>
 </file>
 
@@ -6568,6 +6914,13 @@
   <p:clrMapOvr>
     <a:masterClrMapping/>
   </p:clrMapOvr>
+  <p:timing>
+    <p:tnLst>
+      <p:par>
+        <p:cTn id="1" dur="indefinite" restart="never" nodeType="tmRoot"/>
+      </p:par>
+    </p:tnLst>
+  </p:timing>
 </p:sld>
 </file>
 
@@ -6670,6 +7023,13 @@
   <p:clrMapOvr>
     <a:masterClrMapping/>
   </p:clrMapOvr>
+  <p:timing>
+    <p:tnLst>
+      <p:par>
+        <p:cTn id="1" dur="indefinite" restart="never" nodeType="tmRoot"/>
+      </p:par>
+    </p:tnLst>
+  </p:timing>
 </p:sld>
 </file>
 
@@ -6773,6 +7133,13 @@
   <p:clrMapOvr>
     <a:masterClrMapping/>
   </p:clrMapOvr>
+  <p:timing>
+    <p:tnLst>
+      <p:par>
+        <p:cTn id="1" dur="indefinite" restart="never" nodeType="tmRoot"/>
+      </p:par>
+    </p:tnLst>
+  </p:timing>
 </p:sld>
 </file>
 
@@ -6856,11 +7223,7 @@
             </a:pPr>
             <a:r>
               <a:rPr lang="zh-CN" altLang="en-US" dirty="0" smtClean="0"/>
-              <a:t>应用：解除对象与对象之间的紧耦合关系</a:t>
-            </a:r>
-            <a:r>
-              <a:rPr lang="zh-CN" altLang="en-US" dirty="0" smtClean="0"/>
-              <a:t>。例如：商品购买页面。</a:t>
+              <a:t>应用：解除对象与对象之间的紧耦合关系。例如：商品购买页面。</a:t>
             </a:r>
             <a:endParaRPr lang="zh-CN" altLang="en-US" dirty="0"/>
           </a:p>
@@ -6871,6 +7234,13 @@
   <p:clrMapOvr>
     <a:masterClrMapping/>
   </p:clrMapOvr>
+  <p:timing>
+    <p:tnLst>
+      <p:par>
+        <p:cTn id="1" dur="indefinite" restart="never" nodeType="tmRoot"/>
+      </p:par>
+    </p:tnLst>
+  </p:timing>
 </p:sld>
 </file>
 
@@ -7183,23 +7553,7 @@
             </a:pPr>
             <a:r>
               <a:rPr lang="zh-CN" altLang="en-US" dirty="0" smtClean="0"/>
-              <a:t>定义</a:t>
-            </a:r>
-            <a:r>
-              <a:rPr lang="zh-CN" altLang="en-US" dirty="0" smtClean="0"/>
-              <a:t>：给对象动态地增加职责的方式。</a:t>
-            </a:r>
-            <a:r>
-              <a:rPr lang="zh-CN" altLang="en-US" dirty="0" smtClean="0"/>
-              <a:t>继</a:t>
-            </a:r>
-            <a:r>
-              <a:rPr lang="zh-CN" altLang="en-US" dirty="0" smtClean="0"/>
-              <a:t>承的</a:t>
-            </a:r>
-            <a:r>
-              <a:rPr lang="zh-CN" altLang="en-US" dirty="0" smtClean="0"/>
-              <a:t>替代方案</a:t>
+              <a:t>定义：给对象动态地增加职责的方式。继承的替代方案</a:t>
             </a:r>
             <a:endParaRPr lang="en-US" altLang="zh-CN" dirty="0" smtClean="0"/>
           </a:p>
@@ -7209,11 +7563,7 @@
             </a:pPr>
             <a:r>
               <a:rPr lang="zh-CN" altLang="en-US" dirty="0" smtClean="0"/>
-              <a:t>应用</a:t>
-            </a:r>
-            <a:r>
-              <a:rPr lang="zh-CN" altLang="en-US" dirty="0" smtClean="0"/>
-              <a:t>：数据上报；插件式表单验证；你想给原函数增加功能，但是又不想直接改原函数，那就用这种方式；</a:t>
+              <a:t>应用：数据上报；插件式表单验证；你想给原函数增加功能，但是又不想直接改原函数，那就用这种方式；</a:t>
             </a:r>
             <a:endParaRPr lang="zh-CN" altLang="en-US" dirty="0"/>
           </a:p>
@@ -7315,6 +7665,13 @@
   <p:clrMapOvr>
     <a:masterClrMapping/>
   </p:clrMapOvr>
+  <p:timing>
+    <p:tnLst>
+      <p:par>
+        <p:cTn id="1" dur="indefinite" restart="never" nodeType="tmRoot"/>
+      </p:par>
+    </p:tnLst>
+  </p:timing>
 </p:sld>
 </file>
 
@@ -7388,19 +7745,7 @@
             </a:pPr>
             <a:r>
               <a:rPr lang="zh-CN" altLang="en-US" dirty="0" smtClean="0"/>
-              <a:t>定义</a:t>
-            </a:r>
-            <a:r>
-              <a:rPr lang="zh-CN" altLang="en-US" dirty="0" smtClean="0"/>
-              <a:t>：</a:t>
-            </a:r>
-            <a:r>
-              <a:rPr lang="zh-CN" altLang="en-US" dirty="0" smtClean="0"/>
-              <a:t>允许一个对象在其内部状态改变的时候改变它的行为，对象看起来似乎修改了它的类</a:t>
-            </a:r>
-            <a:r>
-              <a:rPr lang="zh-CN" altLang="en-US" dirty="0" smtClean="0"/>
-              <a:t>。</a:t>
+              <a:t>定义：允许一个对象在其内部状态改变的时候改变它的行为，对象看起来似乎修改了它的类。</a:t>
             </a:r>
             <a:r>
               <a:rPr lang="zh-CN" altLang="en-US" b="1" dirty="0" smtClean="0"/>
@@ -7418,11 +7763,7 @@
             </a:pPr>
             <a:r>
               <a:rPr lang="zh-CN" altLang="en-US" dirty="0" smtClean="0"/>
-              <a:t>应用</a:t>
-            </a:r>
-            <a:r>
-              <a:rPr lang="zh-CN" altLang="en-US" dirty="0" smtClean="0"/>
-              <a:t>：例如文件上传的正在上传、暂停、上传成功。</a:t>
+              <a:t>应用：例如文件上传的正在上传、暂停、上传成功。</a:t>
             </a:r>
             <a:endParaRPr lang="zh-CN" altLang="en-US" dirty="0"/>
           </a:p>
@@ -7433,6 +7774,13 @@
   <p:clrMapOvr>
     <a:masterClrMapping/>
   </p:clrMapOvr>
+  <p:timing>
+    <p:tnLst>
+      <p:par>
+        <p:cTn id="1" dur="indefinite" restart="never" nodeType="tmRoot"/>
+      </p:par>
+    </p:tnLst>
+  </p:timing>
 </p:sld>
 </file>
 
@@ -7569,6 +7917,13 @@
   <p:clrMapOvr>
     <a:masterClrMapping/>
   </p:clrMapOvr>
+  <p:timing>
+    <p:tnLst>
+      <p:par>
+        <p:cTn id="1" dur="indefinite" restart="never" nodeType="tmRoot"/>
+      </p:par>
+    </p:tnLst>
+  </p:timing>
 </p:sld>
 </file>
 
@@ -7642,11 +7997,7 @@
             </a:pPr>
             <a:r>
               <a:rPr lang="zh-CN" altLang="en-US" dirty="0" smtClean="0"/>
-              <a:t>定义</a:t>
-            </a:r>
-            <a:r>
-              <a:rPr lang="zh-CN" altLang="en-US" dirty="0" smtClean="0"/>
-              <a:t>：</a:t>
+              <a:t>定义：</a:t>
             </a:r>
             <a:r>
               <a:rPr lang="en-US" sz="2400" dirty="0" smtClean="0"/>
@@ -7664,19 +8015,11 @@
             </a:pPr>
             <a:r>
               <a:rPr lang="zh-CN" altLang="en-US" dirty="0" smtClean="0"/>
-              <a:t>应用</a:t>
-            </a:r>
-            <a:r>
-              <a:rPr lang="zh-CN" altLang="en-US" dirty="0" smtClean="0"/>
-              <a:t>：</a:t>
+              <a:t>应用：</a:t>
             </a:r>
             <a:r>
               <a:rPr lang="zh-CN" altLang="en-US" sz="2400" dirty="0" smtClean="0"/>
-              <a:t>实际开发环境下，由于旧的系统，或第三方应用提供的接口，与我们定义的接口不匹配，在以面向接口编程的环境下，就无法使用这样旧的，或第三方的接口，这时我们就使用适配类继承待适匹配的类，并让适配类实现接口的方式来引入旧的系统或第三方应用的接</a:t>
-            </a:r>
-            <a:r>
-              <a:rPr lang="zh-CN" altLang="en-US" sz="2400" dirty="0" smtClean="0"/>
-              <a:t>口</a:t>
+              <a:t>实际开发环境下，由于旧的系统，或第三方应用提供的接口，与我们定义的接口不匹配，在以面向接口编程的环境下，就无法使用这样旧的，或第三方的接口，这时我们就使用适配类继承待适匹配的类，并让适配类实现接口的方式来引入旧的系统或第三方应用的接口</a:t>
             </a:r>
             <a:r>
               <a:rPr lang="zh-CN" altLang="en-US" sz="2400" b="1" dirty="0" smtClean="0"/>
@@ -7691,6 +8034,13 @@
   <p:clrMapOvr>
     <a:masterClrMapping/>
   </p:clrMapOvr>
+  <p:timing>
+    <p:tnLst>
+      <p:par>
+        <p:cTn id="1" dur="indefinite" restart="never" nodeType="tmRoot"/>
+      </p:par>
+    </p:tnLst>
+  </p:timing>
 </p:sld>
 </file>
 
@@ -7827,10 +8177,182 @@
   <p:clrMapOvr>
     <a:masterClrMapping/>
   </p:clrMapOvr>
+  <p:timing>
+    <p:tnLst>
+      <p:par>
+        <p:cTn id="1" dur="indefinite" restart="never" nodeType="tmRoot"/>
+      </p:par>
+    </p:tnLst>
+  </p:timing>
 </p:sld>
 </file>
 
 <file path=ppt/slides/slide46.xml><?xml version="1.0" encoding="utf-8"?>
+<p:sld xmlns:a="http://schemas.openxmlformats.org/drawingml/2006/main" xmlns:r="http://schemas.openxmlformats.org/officeDocument/2006/relationships" xmlns:p="http://schemas.openxmlformats.org/presentationml/2006/main">
+  <p:cSld>
+    <p:spTree>
+      <p:nvGrpSpPr>
+        <p:cNvPr id="1" name=""/>
+        <p:cNvGrpSpPr/>
+        <p:nvPr/>
+      </p:nvGrpSpPr>
+      <p:grpSpPr>
+        <a:xfrm>
+          <a:off x="0" y="0"/>
+          <a:ext cx="0" cy="0"/>
+          <a:chOff x="0" y="0"/>
+          <a:chExt cx="0" cy="0"/>
+        </a:xfrm>
+      </p:grpSpPr>
+      <p:sp>
+        <p:nvSpPr>
+          <p:cNvPr id="2" name="标题 1"/>
+          <p:cNvSpPr>
+            <a:spLocks noGrp="1"/>
+          </p:cNvSpPr>
+          <p:nvPr>
+            <p:ph type="title"/>
+          </p:nvPr>
+        </p:nvSpPr>
+        <p:spPr/>
+        <p:txBody>
+          <a:bodyPr/>
+          <a:lstStyle/>
+          <a:p>
+            <a:r>
+              <a:rPr lang="en-US" altLang="zh-CN" dirty="0" smtClean="0"/>
+              <a:t>4 </a:t>
+            </a:r>
+            <a:r>
+              <a:rPr lang="zh-CN" altLang="en-US" dirty="0" smtClean="0"/>
+              <a:t>参考文献</a:t>
+            </a:r>
+            <a:endParaRPr lang="zh-CN" altLang="en-US" dirty="0"/>
+          </a:p>
+        </p:txBody>
+      </p:sp>
+      <p:sp>
+        <p:nvSpPr>
+          <p:cNvPr id="3" name="内容占位符 2"/>
+          <p:cNvSpPr>
+            <a:spLocks noGrp="1"/>
+          </p:cNvSpPr>
+          <p:nvPr>
+            <p:ph idx="1"/>
+          </p:nvPr>
+        </p:nvSpPr>
+        <p:spPr/>
+        <p:txBody>
+          <a:bodyPr/>
+          <a:lstStyle/>
+          <a:p>
+            <a:pPr>
+              <a:buNone/>
+            </a:pPr>
+            <a:r>
+              <a:rPr lang="zh-CN" altLang="en-US" dirty="0" smtClean="0"/>
+              <a:t>参考文献</a:t>
+            </a:r>
+            <a:r>
+              <a:rPr lang="zh-CN" altLang="en-US" dirty="0" smtClean="0"/>
+              <a:t>：</a:t>
+            </a:r>
+            <a:endParaRPr lang="en-US" altLang="zh-CN" dirty="0" smtClean="0"/>
+          </a:p>
+          <a:p>
+            <a:r>
+              <a:rPr lang="en-US" altLang="zh-CN" dirty="0" smtClean="0"/>
+              <a:t>《</a:t>
+            </a:r>
+            <a:r>
+              <a:rPr lang="en-US" dirty="0" smtClean="0"/>
+              <a:t> JavaScript</a:t>
+            </a:r>
+            <a:r>
+              <a:rPr lang="zh-CN" altLang="en-US" dirty="0" smtClean="0"/>
+              <a:t>设计模式与开发实践</a:t>
+            </a:r>
+            <a:r>
+              <a:rPr lang="en-US" altLang="zh-CN" dirty="0" smtClean="0"/>
+              <a:t>》</a:t>
+            </a:r>
+          </a:p>
+          <a:p>
+            <a:r>
+              <a:rPr lang="zh-CN" altLang="en-US" dirty="0" smtClean="0">
+                <a:hlinkClick r:id="rId2"/>
+              </a:rPr>
+              <a:t>深</a:t>
+            </a:r>
+            <a:r>
+              <a:rPr lang="zh-CN" altLang="en-US" dirty="0" smtClean="0">
+                <a:hlinkClick r:id="rId2"/>
+              </a:rPr>
+              <a:t>入理解</a:t>
+            </a:r>
+            <a:r>
+              <a:rPr lang="en-US" altLang="zh-CN" dirty="0" smtClean="0">
+                <a:hlinkClick r:id="rId2"/>
+              </a:rPr>
+              <a:t>JavaScript</a:t>
+            </a:r>
+            <a:r>
+              <a:rPr lang="zh-CN" altLang="en-US" dirty="0" smtClean="0">
+                <a:hlinkClick r:id="rId2"/>
+              </a:rPr>
+              <a:t>系列</a:t>
+            </a:r>
+            <a:r>
+              <a:rPr lang="en-US" altLang="zh-CN" dirty="0" smtClean="0">
+                <a:hlinkClick r:id="rId2"/>
+              </a:rPr>
+              <a:t>--</a:t>
+            </a:r>
+            <a:r>
+              <a:rPr lang="zh-CN" altLang="en-US" dirty="0" smtClean="0">
+                <a:hlinkClick r:id="rId2"/>
+              </a:rPr>
+              <a:t>汤姆大叔的博客</a:t>
+            </a:r>
+            <a:endParaRPr lang="zh-CN" altLang="en-US" dirty="0" smtClean="0"/>
+          </a:p>
+          <a:p>
+            <a:r>
+              <a:rPr lang="en-US" altLang="zh-CN" dirty="0" smtClean="0"/>
+              <a:t>《</a:t>
+            </a:r>
+            <a:r>
+              <a:rPr lang="en-US" dirty="0" smtClean="0"/>
+              <a:t> JavaScript</a:t>
+            </a:r>
+            <a:r>
+              <a:rPr lang="zh-CN" altLang="en-US" dirty="0" smtClean="0"/>
+              <a:t>高级程序设计</a:t>
+            </a:r>
+            <a:r>
+              <a:rPr lang="en-US" altLang="zh-CN" dirty="0" smtClean="0"/>
+              <a:t>》</a:t>
+            </a:r>
+            <a:endParaRPr lang="zh-CN" altLang="en-US" dirty="0" smtClean="0"/>
+          </a:p>
+        </p:txBody>
+      </p:sp>
+    </p:spTree>
+  </p:cSld>
+  <p:clrMapOvr>
+    <a:masterClrMapping/>
+  </p:clrMapOvr>
+  <p:timing>
+    <p:tnLst>
+      <p:par>
+        <p:cTn id="1" dur="indefinite" restart="never" nodeType="tmRoot"/>
+      </p:par>
+    </p:tnLst>
+  </p:timing>
+</p:sld>
+</file>
+
+<file path=ppt/slides/slide47.xml><?xml version="1.0" encoding="utf-8"?>
 <p:sld xmlns:a="http://schemas.openxmlformats.org/drawingml/2006/main" xmlns:r="http://schemas.openxmlformats.org/officeDocument/2006/relationships" xmlns:p="http://schemas.openxmlformats.org/presentationml/2006/main">
   <p:cSld>
     <p:spTree>
@@ -7916,6 +8438,99 @@
   <p:clrMapOvr>
     <a:masterClrMapping/>
   </p:clrMapOvr>
+  <p:timing>
+    <p:tnLst>
+      <p:par>
+        <p:cTn id="1" dur="indefinite" restart="never" nodeType="tmRoot"/>
+      </p:par>
+    </p:tnLst>
+  </p:timing>
+</p:sld>
+</file>
+
+<file path=ppt/slides/slide48.xml><?xml version="1.0" encoding="utf-8"?>
+<p:sld xmlns:a="http://schemas.openxmlformats.org/drawingml/2006/main" xmlns:r="http://schemas.openxmlformats.org/officeDocument/2006/relationships" xmlns:p="http://schemas.openxmlformats.org/presentationml/2006/main">
+  <p:cSld>
+    <p:spTree>
+      <p:nvGrpSpPr>
+        <p:cNvPr id="1" name=""/>
+        <p:cNvGrpSpPr/>
+        <p:nvPr/>
+      </p:nvGrpSpPr>
+      <p:grpSpPr>
+        <a:xfrm>
+          <a:off x="0" y="0"/>
+          <a:ext cx="0" cy="0"/>
+          <a:chOff x="0" y="0"/>
+          <a:chExt cx="0" cy="0"/>
+        </a:xfrm>
+      </p:grpSpPr>
+      <p:sp>
+        <p:nvSpPr>
+          <p:cNvPr id="2" name="标题 1"/>
+          <p:cNvSpPr>
+            <a:spLocks noGrp="1"/>
+          </p:cNvSpPr>
+          <p:nvPr>
+            <p:ph type="title"/>
+          </p:nvPr>
+        </p:nvSpPr>
+        <p:spPr/>
+        <p:txBody>
+          <a:bodyPr/>
+          <a:lstStyle/>
+          <a:p>
+            <a:r>
+              <a:rPr lang="en-US" altLang="zh-CN" dirty="0" smtClean="0"/>
+              <a:t>5</a:t>
+            </a:r>
+            <a:r>
+              <a:rPr lang="en-US" altLang="zh-CN" dirty="0" smtClean="0"/>
+              <a:t> </a:t>
+            </a:r>
+            <a:r>
+              <a:rPr lang="zh-CN" altLang="en-US" dirty="0" smtClean="0"/>
+              <a:t>评价</a:t>
+            </a:r>
+            <a:endParaRPr lang="zh-CN" altLang="en-US" dirty="0"/>
+          </a:p>
+        </p:txBody>
+      </p:sp>
+      <p:pic>
+        <p:nvPicPr>
+          <p:cNvPr id="4" name="内容占位符 3" descr="技术培训评分表-《简析JavaScript设计模式》.jpg"/>
+          <p:cNvPicPr>
+            <a:picLocks noGrp="1" noChangeAspect="1"/>
+          </p:cNvPicPr>
+          <p:nvPr>
+            <p:ph idx="1"/>
+          </p:nvPr>
+        </p:nvPicPr>
+        <p:blipFill>
+          <a:blip r:embed="rId2"/>
+          <a:stretch>
+            <a:fillRect/>
+          </a:stretch>
+        </p:blipFill>
+        <p:spPr>
+          <a:xfrm>
+            <a:off x="2285984" y="1571612"/>
+            <a:ext cx="4525963" cy="4525963"/>
+          </a:xfrm>
+        </p:spPr>
+      </p:pic>
+    </p:spTree>
+  </p:cSld>
+  <p:clrMapOvr>
+    <a:masterClrMapping/>
+  </p:clrMapOvr>
+  <p:timing>
+    <p:tnLst>
+      <p:par>
+        <p:cTn id="1" dur="indefinite" restart="never" nodeType="tmRoot"/>
+      </p:par>
+    </p:tnLst>
+  </p:timing>
 </p:sld>
 </file>
 
@@ -8545,7 +9160,7 @@
         <a:sysClr val="windowText" lastClr="000000"/>
       </a:dk1>
       <a:lt1>
-        <a:sysClr val="window" lastClr="CCE8CF"/>
+        <a:sysClr val="window" lastClr="FFFFFF"/>
       </a:lt1>
       <a:dk2>
         <a:srgbClr val="1F497D"/>
